--- a/Learning Phase/Week 4/Day 5/JavaScript/Slides/7. Functions/functions-slides.pptx
+++ b/Learning Phase/Week 4/Day 5/JavaScript/Slides/7. Functions/functions-slides.pptx
@@ -5,26 +5,26 @@
     <p:sldMasterId id="2147483648" r:id="rId1"/>
   </p:sldMasterIdLst>
   <p:notesMasterIdLst>
-    <p:notesMasterId r:id="rId20"/>
+    <p:notesMasterId r:id="rId19"/>
   </p:notesMasterIdLst>
   <p:sldIdLst>
-    <p:sldId id="256" r:id="rId3"/>
-    <p:sldId id="257" r:id="rId4"/>
-    <p:sldId id="258" r:id="rId5"/>
-    <p:sldId id="259" r:id="rId6"/>
-    <p:sldId id="260" r:id="rId7"/>
-    <p:sldId id="261" r:id="rId8"/>
-    <p:sldId id="271" r:id="rId9"/>
-    <p:sldId id="272" r:id="rId10"/>
-    <p:sldId id="262" r:id="rId11"/>
-    <p:sldId id="263" r:id="rId12"/>
-    <p:sldId id="264" r:id="rId13"/>
-    <p:sldId id="265" r:id="rId14"/>
-    <p:sldId id="273" r:id="rId15"/>
-    <p:sldId id="267" r:id="rId16"/>
-    <p:sldId id="274" r:id="rId17"/>
-    <p:sldId id="269" r:id="rId18"/>
-    <p:sldId id="270" r:id="rId19"/>
+    <p:sldId id="256" r:id="rId2"/>
+    <p:sldId id="257" r:id="rId3"/>
+    <p:sldId id="258" r:id="rId4"/>
+    <p:sldId id="259" r:id="rId5"/>
+    <p:sldId id="260" r:id="rId6"/>
+    <p:sldId id="261" r:id="rId7"/>
+    <p:sldId id="271" r:id="rId8"/>
+    <p:sldId id="272" r:id="rId9"/>
+    <p:sldId id="262" r:id="rId10"/>
+    <p:sldId id="263" r:id="rId11"/>
+    <p:sldId id="264" r:id="rId12"/>
+    <p:sldId id="265" r:id="rId13"/>
+    <p:sldId id="273" r:id="rId14"/>
+    <p:sldId id="267" r:id="rId15"/>
+    <p:sldId id="274" r:id="rId16"/>
+    <p:sldId id="269" r:id="rId17"/>
+    <p:sldId id="270" r:id="rId18"/>
   </p:sldIdLst>
   <p:sldSz cx="12192000" cy="6858000"/>
   <p:notesSz cx="12192000" cy="6858000"/>
@@ -120,6 +120,22 @@
       </a:defRPr>
     </a:lvl9pPr>
   </p:defaultTextStyle>
+  <p:extLst>
+    <p:ext uri="{EFAFB233-063F-42B5-8137-9DF3F51BA10A}">
+      <p15:sldGuideLst xmlns:p15="http://schemas.microsoft.com/office/powerpoint/2012/main">
+        <p15:guide id="1" orient="horz" pos="2880">
+          <p15:clr>
+            <a:srgbClr val="A4A3A4"/>
+          </p15:clr>
+        </p15:guide>
+        <p15:guide id="2" pos="2147">
+          <p15:clr>
+            <a:srgbClr val="A4A3A4"/>
+          </p15:clr>
+        </p15:guide>
+      </p15:sldGuideLst>
+    </p:ext>
+  </p:extLst>
 </p:presentation>
 </file>
 
@@ -205,6 +221,7 @@
           <a:p>
             <a:fld id="{3EFD42F7-718C-4B98-AAEC-167E6DDD60A7}" type="datetimeFigureOut">
               <a:rPr lang="en-US" smtClean="0"/>
+              <a:t>2/14/2024</a:t>
             </a:fld>
             <a:endParaRPr lang="en-US"/>
           </a:p>
@@ -268,42 +285,37 @@
           <a:p>
             <a:pPr lvl="0"/>
             <a:r>
-              <a:rPr lang="en-US" smtClean="0"/>
+              <a:rPr lang="en-US"/>
               <a:t>Click to edit Master text styles</a:t>
             </a:r>
-            <a:endParaRPr lang="en-US" smtClean="0"/>
           </a:p>
           <a:p>
             <a:pPr lvl="1"/>
             <a:r>
-              <a:rPr lang="en-US" smtClean="0"/>
+              <a:rPr lang="en-US"/>
               <a:t>Second level</a:t>
             </a:r>
-            <a:endParaRPr lang="en-US" smtClean="0"/>
           </a:p>
           <a:p>
             <a:pPr lvl="2"/>
             <a:r>
-              <a:rPr lang="en-US" smtClean="0"/>
+              <a:rPr lang="en-US"/>
               <a:t>Third level</a:t>
             </a:r>
-            <a:endParaRPr lang="en-US" smtClean="0"/>
           </a:p>
           <a:p>
             <a:pPr lvl="3"/>
             <a:r>
-              <a:rPr lang="en-US" smtClean="0"/>
+              <a:rPr lang="en-US"/>
               <a:t>Fourth level</a:t>
             </a:r>
-            <a:endParaRPr lang="en-US" smtClean="0"/>
           </a:p>
           <a:p>
             <a:pPr lvl="4"/>
             <a:r>
-              <a:rPr lang="en-US" smtClean="0"/>
+              <a:rPr lang="en-US"/>
               <a:t>Fifth level</a:t>
             </a:r>
-            <a:endParaRPr lang="en-US"/>
           </a:p>
         </p:txBody>
       </p:sp>
@@ -367,6 +379,7 @@
           <a:p>
             <a:fld id="{21B2AA4F-B828-4D7C-AFD3-893933DAFCB4}" type="slidenum">
               <a:rPr lang="en-US" smtClean="0"/>
+              <a:t>‹#›</a:t>
             </a:fld>
             <a:endParaRPr lang="en-US"/>
           </a:p>
@@ -515,7 +528,9 @@
               <a:defRPr/>
             </a:lvl1pPr>
           </a:lstStyle>
-          <a:p/>
+          <a:p>
+            <a:endParaRPr/>
+          </a:p>
         </p:txBody>
       </p:sp>
       <p:sp>
@@ -546,7 +561,9 @@
               <a:defRPr/>
             </a:lvl1pPr>
           </a:lstStyle>
-          <a:p/>
+          <a:p>
+            <a:endParaRPr/>
+          </a:p>
         </p:txBody>
       </p:sp>
       <p:sp>
@@ -573,7 +590,9 @@
               </a:defRPr>
             </a:lvl1pPr>
           </a:lstStyle>
-          <a:p/>
+          <a:p>
+            <a:endParaRPr/>
+          </a:p>
         </p:txBody>
       </p:sp>
       <p:sp>
@@ -603,6 +622,7 @@
           <a:p>
             <a:fld id="{1D8BD707-D9CF-40AE-B4C6-C98DA3205C09}" type="datetimeFigureOut">
               <a:rPr lang="en-US"/>
+              <a:t>2/14/2024</a:t>
             </a:fld>
             <a:endParaRPr lang="en-US"/>
           </a:p>
@@ -635,6 +655,7 @@
           <a:p>
             <a:fld id="{B6F15528-21DE-4FAA-801E-634DDDAF4B2B}" type="slidenum">
               <a:rPr/>
+              <a:t>‹#›</a:t>
             </a:fld>
             <a:endParaRPr/>
           </a:p>
@@ -690,7 +711,9 @@
               </a:defRPr>
             </a:lvl1pPr>
           </a:lstStyle>
-          <a:p/>
+          <a:p>
+            <a:endParaRPr/>
+          </a:p>
         </p:txBody>
       </p:sp>
       <p:sp>
@@ -717,7 +740,9 @@
               </a:defRPr>
             </a:lvl1pPr>
           </a:lstStyle>
-          <a:p/>
+          <a:p>
+            <a:endParaRPr/>
+          </a:p>
         </p:txBody>
       </p:sp>
       <p:sp>
@@ -744,7 +769,9 @@
               </a:defRPr>
             </a:lvl1pPr>
           </a:lstStyle>
-          <a:p/>
+          <a:p>
+            <a:endParaRPr/>
+          </a:p>
         </p:txBody>
       </p:sp>
       <p:sp>
@@ -774,6 +801,7 @@
           <a:p>
             <a:fld id="{1D8BD707-D9CF-40AE-B4C6-C98DA3205C09}" type="datetimeFigureOut">
               <a:rPr lang="en-US"/>
+              <a:t>2/14/2024</a:t>
             </a:fld>
             <a:endParaRPr lang="en-US"/>
           </a:p>
@@ -806,6 +834,7 @@
           <a:p>
             <a:fld id="{B6F15528-21DE-4FAA-801E-634DDDAF4B2B}" type="slidenum">
               <a:rPr/>
+              <a:t>‹#›</a:t>
             </a:fld>
             <a:endParaRPr/>
           </a:p>
@@ -861,7 +890,9 @@
               </a:defRPr>
             </a:lvl1pPr>
           </a:lstStyle>
-          <a:p/>
+          <a:p>
+            <a:endParaRPr/>
+          </a:p>
         </p:txBody>
       </p:sp>
       <p:sp>
@@ -892,7 +923,9 @@
               <a:defRPr/>
             </a:lvl1pPr>
           </a:lstStyle>
-          <a:p/>
+          <a:p>
+            <a:endParaRPr/>
+          </a:p>
         </p:txBody>
       </p:sp>
       <p:sp>
@@ -923,7 +956,9 @@
               <a:defRPr/>
             </a:lvl1pPr>
           </a:lstStyle>
-          <a:p/>
+          <a:p>
+            <a:endParaRPr/>
+          </a:p>
         </p:txBody>
       </p:sp>
       <p:sp>
@@ -950,7 +985,9 @@
               </a:defRPr>
             </a:lvl1pPr>
           </a:lstStyle>
-          <a:p/>
+          <a:p>
+            <a:endParaRPr/>
+          </a:p>
         </p:txBody>
       </p:sp>
       <p:sp>
@@ -980,6 +1017,7 @@
           <a:p>
             <a:fld id="{1D8BD707-D9CF-40AE-B4C6-C98DA3205C09}" type="datetimeFigureOut">
               <a:rPr lang="en-US"/>
+              <a:t>2/14/2024</a:t>
             </a:fld>
             <a:endParaRPr lang="en-US"/>
           </a:p>
@@ -1012,6 +1050,7 @@
           <a:p>
             <a:fld id="{B6F15528-21DE-4FAA-801E-634DDDAF4B2B}" type="slidenum">
               <a:rPr/>
+              <a:t>‹#›</a:t>
             </a:fld>
             <a:endParaRPr/>
           </a:p>
@@ -1027,7 +1066,7 @@
 </file>
 
 <file path=ppt/slideLayouts/slideLayout4.xml><?xml version="1.0" encoding="utf-8"?>
-<p:sldLayout xmlns:a="http://schemas.openxmlformats.org/drawingml/2006/main" xmlns:r="http://schemas.openxmlformats.org/officeDocument/2006/relationships" xmlns:p="http://schemas.openxmlformats.org/presentationml/2006/main" type="obj" preserve="1" showMasterSp="0">
+<p:sldLayout xmlns:a="http://schemas.openxmlformats.org/drawingml/2006/main" xmlns:r="http://schemas.openxmlformats.org/officeDocument/2006/relationships" xmlns:p="http://schemas.openxmlformats.org/presentationml/2006/main" showMasterSp="0" type="obj" preserve="1">
   <p:cSld name="Title Only">
     <p:bg>
       <p:bgPr>
@@ -1097,7 +1136,9 @@
               </a:defRPr>
             </a:lvl1pPr>
           </a:lstStyle>
-          <a:p/>
+          <a:p>
+            <a:endParaRPr/>
+          </a:p>
         </p:txBody>
       </p:sp>
       <p:sp>
@@ -1124,7 +1165,9 @@
               </a:defRPr>
             </a:lvl1pPr>
           </a:lstStyle>
-          <a:p/>
+          <a:p>
+            <a:endParaRPr/>
+          </a:p>
         </p:txBody>
       </p:sp>
       <p:sp>
@@ -1154,6 +1197,7 @@
           <a:p>
             <a:fld id="{1D8BD707-D9CF-40AE-B4C6-C98DA3205C09}" type="datetimeFigureOut">
               <a:rPr lang="en-US"/>
+              <a:t>2/14/2024</a:t>
             </a:fld>
             <a:endParaRPr lang="en-US"/>
           </a:p>
@@ -1186,6 +1230,7 @@
           <a:p>
             <a:fld id="{B6F15528-21DE-4FAA-801E-634DDDAF4B2B}" type="slidenum">
               <a:rPr/>
+              <a:t>‹#›</a:t>
             </a:fld>
             <a:endParaRPr/>
           </a:p>
@@ -1241,7 +1286,9 @@
               </a:defRPr>
             </a:lvl1pPr>
           </a:lstStyle>
-          <a:p/>
+          <a:p>
+            <a:endParaRPr/>
+          </a:p>
         </p:txBody>
       </p:sp>
       <p:sp>
@@ -1271,6 +1318,7 @@
           <a:p>
             <a:fld id="{1D8BD707-D9CF-40AE-B4C6-C98DA3205C09}" type="datetimeFigureOut">
               <a:rPr lang="en-US"/>
+              <a:t>2/14/2024</a:t>
             </a:fld>
             <a:endParaRPr lang="en-US"/>
           </a:p>
@@ -1303,6 +1351,7 @@
           <a:p>
             <a:fld id="{B6F15528-21DE-4FAA-801E-634DDDAF4B2B}" type="slidenum">
               <a:rPr/>
+              <a:t>‹#›</a:t>
             </a:fld>
             <a:endParaRPr/>
           </a:p>
@@ -1350,10 +1399,9 @@
           <a:lstStyle/>
           <a:p>
             <a:r>
-              <a:rPr lang="en-US" smtClean="0"/>
+              <a:rPr lang="en-US"/>
               <a:t>Click to edit Master title style</a:t>
             </a:r>
-            <a:endParaRPr lang="en-US"/>
           </a:p>
         </p:txBody>
       </p:sp>
@@ -1374,42 +1422,37 @@
           <a:p>
             <a:pPr lvl="0"/>
             <a:r>
-              <a:rPr lang="en-US" smtClean="0"/>
+              <a:rPr lang="en-US"/>
               <a:t>Click to edit Master text styles</a:t>
             </a:r>
-            <a:endParaRPr lang="en-US" smtClean="0"/>
           </a:p>
           <a:p>
             <a:pPr lvl="1"/>
             <a:r>
-              <a:rPr lang="en-US" smtClean="0"/>
+              <a:rPr lang="en-US"/>
               <a:t>Second level</a:t>
             </a:r>
-            <a:endParaRPr lang="en-US" smtClean="0"/>
           </a:p>
           <a:p>
             <a:pPr lvl="2"/>
             <a:r>
-              <a:rPr lang="en-US" smtClean="0"/>
+              <a:rPr lang="en-US"/>
               <a:t>Third level</a:t>
             </a:r>
-            <a:endParaRPr lang="en-US" smtClean="0"/>
           </a:p>
           <a:p>
             <a:pPr lvl="3"/>
             <a:r>
-              <a:rPr lang="en-US" smtClean="0"/>
+              <a:rPr lang="en-US"/>
               <a:t>Fourth level</a:t>
             </a:r>
-            <a:endParaRPr lang="en-US" smtClean="0"/>
           </a:p>
           <a:p>
             <a:pPr lvl="4"/>
             <a:r>
-              <a:rPr lang="en-US" smtClean="0"/>
+              <a:rPr lang="en-US"/>
               <a:t>Fifth level</a:t>
             </a:r>
-            <a:endParaRPr lang="en-US"/>
           </a:p>
         </p:txBody>
       </p:sp>
@@ -1430,6 +1473,7 @@
           <a:p>
             <a:fld id="{1D8BD707-D9CF-40AE-B4C6-C98DA3205C09}" type="datetimeFigureOut">
               <a:rPr lang="en-US"/>
+              <a:t>2/14/2024</a:t>
             </a:fld>
             <a:endParaRPr lang="en-US"/>
           </a:p>
@@ -1449,7 +1493,9 @@
         <p:txBody>
           <a:bodyPr/>
           <a:lstStyle/>
-          <a:p/>
+          <a:p>
+            <a:endParaRPr/>
+          </a:p>
         </p:txBody>
       </p:sp>
       <p:sp>
@@ -1469,6 +1515,7 @@
           <a:p>
             <a:fld id="{B6F15528-21DE-4FAA-801E-634DDDAF4B2B}" type="slidenum">
               <a:rPr/>
+              <a:t>‹#›</a:t>
             </a:fld>
             <a:endParaRPr/>
           </a:p>
@@ -1552,7 +1599,9 @@
         <p:txBody>
           <a:bodyPr wrap="square" lIns="0" tIns="0" rIns="0" bIns="0" rtlCol="0"/>
           <a:lstStyle/>
-          <a:p/>
+          <a:p>
+            <a:endParaRPr/>
+          </a:p>
         </p:txBody>
       </p:sp>
       <p:sp>
@@ -1589,7 +1638,9 @@
               </a:defRPr>
             </a:lvl1pPr>
           </a:lstStyle>
-          <a:p/>
+          <a:p>
+            <a:endParaRPr/>
+          </a:p>
         </p:txBody>
       </p:sp>
       <p:sp>
@@ -1626,7 +1677,9 @@
               </a:defRPr>
             </a:lvl1pPr>
           </a:lstStyle>
-          <a:p/>
+          <a:p>
+            <a:endParaRPr/>
+          </a:p>
         </p:txBody>
       </p:sp>
       <p:sp>
@@ -1663,7 +1716,9 @@
               </a:defRPr>
             </a:lvl1pPr>
           </a:lstStyle>
-          <a:p/>
+          <a:p>
+            <a:endParaRPr/>
+          </a:p>
         </p:txBody>
       </p:sp>
       <p:sp>
@@ -1703,6 +1758,7 @@
           <a:p>
             <a:fld id="{1D8BD707-D9CF-40AE-B4C6-C98DA3205C09}" type="datetimeFigureOut">
               <a:rPr lang="en-US"/>
+              <a:t>2/14/2024</a:t>
             </a:fld>
             <a:endParaRPr lang="en-US"/>
           </a:p>
@@ -1745,6 +1801,7 @@
           <a:p>
             <a:fld id="{B6F15528-21DE-4FAA-801E-634DDDAF4B2B}" type="slidenum">
               <a:rPr/>
+              <a:t>‹#›</a:t>
             </a:fld>
             <a:endParaRPr/>
           </a:p>
@@ -1930,7 +1987,7 @@
           <p:nvPr/>
         </p:nvPicPr>
         <p:blipFill>
-          <a:blip r:embed="rId1" cstate="print"/>
+          <a:blip r:embed="rId2" cstate="print"/>
           <a:stretch>
             <a:fillRect/>
           </a:stretch>
@@ -2003,9 +2060,11 @@
         <p:spPr/>
         <p:txBody>
           <a:bodyPr/>
+          <a:lstStyle/>
           <a:p>
             <a:fld id="{B6F15528-21DE-4FAA-801E-634DDDAF4B2B}" type="slidenum">
               <a:rPr/>
+              <a:t>1</a:t>
             </a:fld>
             <a:endParaRPr/>
           </a:p>
@@ -2432,11 +2491,6 @@
               </a:rPr>
               <a:t>ns</a:t>
             </a:r>
-            <a:endParaRPr spc="-75" dirty="0">
-              <a:solidFill>
-                <a:srgbClr val="404040"/>
-              </a:solidFill>
-            </a:endParaRPr>
           </a:p>
         </p:txBody>
       </p:sp>
@@ -2453,9 +2507,11 @@
         <p:spPr/>
         <p:txBody>
           <a:bodyPr/>
+          <a:lstStyle/>
           <a:p>
             <a:fld id="{B6F15528-21DE-4FAA-801E-634DDDAF4B2B}" type="slidenum">
               <a:rPr/>
+              <a:t>10</a:t>
             </a:fld>
             <a:endParaRPr/>
           </a:p>
@@ -2966,11 +3022,6 @@
               </a:rPr>
               <a:t>ns</a:t>
             </a:r>
-            <a:endParaRPr spc="-75" dirty="0">
-              <a:solidFill>
-                <a:srgbClr val="404040"/>
-              </a:solidFill>
-            </a:endParaRPr>
           </a:p>
         </p:txBody>
       </p:sp>
@@ -2987,9 +3038,11 @@
         <p:spPr/>
         <p:txBody>
           <a:bodyPr/>
+          <a:lstStyle/>
           <a:p>
             <a:fld id="{B6F15528-21DE-4FAA-801E-634DDDAF4B2B}" type="slidenum">
               <a:rPr/>
+              <a:t>11</a:t>
             </a:fld>
             <a:endParaRPr/>
           </a:p>
@@ -3073,7 +3126,6 @@
               <a:rPr spc="-55" dirty="0"/>
               <a:t>Values</a:t>
             </a:r>
-            <a:endParaRPr spc="-55" dirty="0"/>
           </a:p>
         </p:txBody>
       </p:sp>
@@ -3090,9 +3142,11 @@
         <p:spPr/>
         <p:txBody>
           <a:bodyPr/>
+          <a:lstStyle/>
           <a:p>
             <a:fld id="{B6F15528-21DE-4FAA-801E-634DDDAF4B2B}" type="slidenum">
               <a:rPr/>
+              <a:t>12</a:t>
             </a:fld>
             <a:endParaRPr/>
           </a:p>
@@ -3115,7 +3169,14 @@
         <p:cNvGrpSpPr/>
         <p:nvPr/>
       </p:nvGrpSpPr>
-      <p:grpSpPr/>
+      <p:grpSpPr>
+        <a:xfrm>
+          <a:off x="0" y="0"/>
+          <a:ext cx="0" cy="0"/>
+          <a:chOff x="0" y="0"/>
+          <a:chExt cx="0" cy="0"/>
+        </a:xfrm>
+      </p:grpSpPr>
       <p:sp>
         <p:nvSpPr>
           <p:cNvPr id="4" name="Slide Number Placeholder 3"/>
@@ -3134,9 +3195,11 @@
         </p:spPr>
         <p:txBody>
           <a:bodyPr/>
+          <a:lstStyle/>
           <a:p>
             <a:fld id="{B6F15528-21DE-4FAA-801E-634DDDAF4B2B}" type="slidenum">
               <a:rPr/>
+              <a:t>13</a:t>
             </a:fld>
             <a:endParaRPr/>
           </a:p>
@@ -3156,12 +3219,12 @@
           <a:graphicData uri="http://schemas.openxmlformats.org/presentationml/2006/ole">
             <mc:AlternateContent xmlns:mc="http://schemas.openxmlformats.org/markup-compatibility/2006">
               <mc:Choice xmlns:v="urn:schemas-microsoft-com:vml" Requires="v">
-                <p:oleObj spid="_x0000_s6" name="" r:id="rId1" imgW="9686925" imgH="5648325" progId="Paint.Picture">
+                <p:oleObj r:id="rId2" imgW="9686925" imgH="5648325" progId="Paint.Picture">
                   <p:embed/>
                 </p:oleObj>
               </mc:Choice>
               <mc:Fallback>
-                <p:oleObj name="" r:id="rId1" imgW="9686925" imgH="5648325" progId="Paint.Picture">
+                <p:oleObj r:id="rId2" imgW="9686925" imgH="5648325" progId="Paint.Picture">
                   <p:embed/>
                   <p:pic>
                     <p:nvPicPr>
@@ -3170,7 +3233,7 @@
                       <p:nvPr/>
                     </p:nvPicPr>
                     <p:blipFill>
-                      <a:blip r:embed="rId2"/>
+                      <a:blip r:embed="rId3"/>
                       <a:stretch>
                         <a:fillRect/>
                       </a:stretch>
@@ -3261,7 +3324,6 @@
               <a:rPr spc="40" dirty="0"/>
               <a:t>Scope</a:t>
             </a:r>
-            <a:endParaRPr spc="40" dirty="0"/>
           </a:p>
         </p:txBody>
       </p:sp>
@@ -3278,9 +3340,11 @@
         <p:spPr/>
         <p:txBody>
           <a:bodyPr/>
+          <a:lstStyle/>
           <a:p>
             <a:fld id="{B6F15528-21DE-4FAA-801E-634DDDAF4B2B}" type="slidenum">
               <a:rPr/>
+              <a:t>14</a:t>
             </a:fld>
             <a:endParaRPr/>
           </a:p>
@@ -3303,7 +3367,14 @@
         <p:cNvGrpSpPr/>
         <p:nvPr/>
       </p:nvGrpSpPr>
-      <p:grpSpPr/>
+      <p:grpSpPr>
+        <a:xfrm>
+          <a:off x="0" y="0"/>
+          <a:ext cx="0" cy="0"/>
+          <a:chOff x="0" y="0"/>
+          <a:chExt cx="0" cy="0"/>
+        </a:xfrm>
+      </p:grpSpPr>
       <p:sp>
         <p:nvSpPr>
           <p:cNvPr id="4" name="Slide Number Placeholder 3"/>
@@ -3322,9 +3393,11 @@
         </p:spPr>
         <p:txBody>
           <a:bodyPr/>
+          <a:lstStyle/>
           <a:p>
             <a:fld id="{B6F15528-21DE-4FAA-801E-634DDDAF4B2B}" type="slidenum">
               <a:rPr/>
+              <a:t>15</a:t>
             </a:fld>
             <a:endParaRPr/>
           </a:p>
@@ -3344,12 +3417,12 @@
           <a:graphicData uri="http://schemas.openxmlformats.org/presentationml/2006/ole">
             <mc:AlternateContent xmlns:mc="http://schemas.openxmlformats.org/markup-compatibility/2006">
               <mc:Choice xmlns:v="urn:schemas-microsoft-com:vml" Requires="v">
-                <p:oleObj spid="_x0000_s6" name="" r:id="rId1" imgW="9658350" imgH="5572125" progId="Paint.Picture">
+                <p:oleObj r:id="rId2" imgW="9658350" imgH="5572125" progId="Paint.Picture">
                   <p:embed/>
                 </p:oleObj>
               </mc:Choice>
               <mc:Fallback>
-                <p:oleObj name="" r:id="rId1" imgW="9658350" imgH="5572125" progId="Paint.Picture">
+                <p:oleObj r:id="rId2" imgW="9658350" imgH="5572125" progId="Paint.Picture">
                   <p:embed/>
                   <p:pic>
                     <p:nvPicPr>
@@ -3358,7 +3431,7 @@
                       <p:nvPr/>
                     </p:nvPicPr>
                     <p:blipFill>
-                      <a:blip r:embed="rId2"/>
+                      <a:blip r:embed="rId3"/>
                       <a:stretch>
                         <a:fillRect/>
                       </a:stretch>
@@ -3449,7 +3522,6 @@
               <a:rPr dirty="0"/>
               <a:t>Pages</a:t>
             </a:r>
-            <a:endParaRPr dirty="0"/>
           </a:p>
         </p:txBody>
       </p:sp>
@@ -3466,9 +3538,11 @@
         <p:spPr/>
         <p:txBody>
           <a:bodyPr/>
+          <a:lstStyle/>
           <a:p>
             <a:fld id="{B6F15528-21DE-4FAA-801E-634DDDAF4B2B}" type="slidenum">
               <a:rPr/>
+              <a:t>16</a:t>
             </a:fld>
             <a:endParaRPr/>
           </a:p>
@@ -3506,7 +3580,7 @@
           <p:nvPr/>
         </p:nvPicPr>
         <p:blipFill>
-          <a:blip r:embed="rId1" cstate="print"/>
+          <a:blip r:embed="rId2" cstate="print"/>
           <a:stretch>
             <a:fillRect/>
           </a:stretch>
@@ -3591,7 +3665,7 @@
           </a:bodyPr>
           <a:lstStyle/>
           <a:p>
-            <a:pPr marL="3883025" indent="-289560">
+            <a:pPr marL="3883025" indent="-289560" algn="just">
               <a:lnSpc>
                 <a:spcPct val="100000"/>
               </a:lnSpc>
@@ -3682,10 +3756,9 @@
               <a:rPr spc="-365" dirty="0"/>
               <a:t>}</a:t>
             </a:r>
-            <a:endParaRPr spc="-365" dirty="0"/>
-          </a:p>
-          <a:p>
-            <a:pPr marL="3883025" indent="-289560" algn="l">
+          </a:p>
+          <a:p>
+            <a:pPr marL="3883025" indent="-289560" algn="just">
               <a:lnSpc>
                 <a:spcPct val="100000"/>
               </a:lnSpc>
@@ -3714,7 +3787,7 @@
             <a:endParaRPr spc="25" dirty="0"/>
           </a:p>
           <a:p>
-            <a:pPr marL="3354070">
+            <a:pPr marL="3354070" algn="just">
               <a:lnSpc>
                 <a:spcPct val="100000"/>
               </a:lnSpc>
@@ -3750,10 +3823,9 @@
               <a:rPr spc="35" dirty="0"/>
               <a:t>Functions</a:t>
             </a:r>
-            <a:endParaRPr spc="35" dirty="0"/>
-          </a:p>
-          <a:p>
-            <a:pPr marL="3883025" indent="-289560">
+          </a:p>
+          <a:p>
+            <a:pPr marL="3883025" indent="-289560" algn="just">
               <a:lnSpc>
                 <a:spcPct val="100000"/>
               </a:lnSpc>
@@ -3802,11 +3874,7 @@
             </a:r>
             <a:r>
               <a:rPr spc="-50" dirty="0"/>
-              <a:t>n</a:t>
-            </a:r>
-            <a:r>
-              <a:rPr spc="-50" dirty="0"/>
-              <a:t>(</a:t>
+              <a:t>n(</a:t>
             </a:r>
             <a:r>
               <a:rPr spc="-125" dirty="0"/>
@@ -3844,10 +3912,9 @@
               <a:rPr spc="-270" dirty="0"/>
               <a:t>);</a:t>
             </a:r>
-            <a:endParaRPr spc="-270" dirty="0"/>
-          </a:p>
-          <a:p>
-            <a:pPr marL="3354070">
+          </a:p>
+          <a:p>
+            <a:pPr marL="3354070" algn="just">
               <a:lnSpc>
                 <a:spcPct val="100000"/>
               </a:lnSpc>
@@ -3875,10 +3942,9 @@
               <a:rPr spc="-15" dirty="0"/>
               <a:t>Values</a:t>
             </a:r>
-            <a:endParaRPr spc="-15" dirty="0"/>
-          </a:p>
-          <a:p>
-            <a:pPr marL="3883025" indent="-289560">
+          </a:p>
+          <a:p>
+            <a:pPr marL="3883025" indent="-289560" algn="just">
               <a:lnSpc>
                 <a:spcPct val="100000"/>
               </a:lnSpc>
@@ -3905,10 +3971,9 @@
               <a:rPr spc="-120" dirty="0"/>
               <a:t>value;</a:t>
             </a:r>
-            <a:endParaRPr spc="-120" dirty="0"/>
-          </a:p>
-          <a:p>
-            <a:pPr marL="3354070">
+          </a:p>
+          <a:p>
+            <a:pPr marL="3354070" algn="just">
               <a:lnSpc>
                 <a:spcPct val="100000"/>
               </a:lnSpc>
@@ -3928,10 +3993,9 @@
               <a:rPr spc="45" dirty="0"/>
               <a:t>Scope</a:t>
             </a:r>
-            <a:endParaRPr spc="45" dirty="0"/>
-          </a:p>
-          <a:p>
-            <a:pPr marL="3354070">
+          </a:p>
+          <a:p>
+            <a:pPr marL="3354070" algn="just">
               <a:lnSpc>
                 <a:spcPct val="100000"/>
               </a:lnSpc>
@@ -4006,9 +4070,11 @@
         <p:spPr/>
         <p:txBody>
           <a:bodyPr/>
+          <a:lstStyle/>
           <a:p>
             <a:fld id="{B6F15528-21DE-4FAA-801E-634DDDAF4B2B}" type="slidenum">
               <a:rPr/>
+              <a:t>17</a:t>
             </a:fld>
             <a:endParaRPr/>
           </a:p>
@@ -4046,7 +4112,7 @@
           <p:nvPr/>
         </p:nvPicPr>
         <p:blipFill>
-          <a:blip r:embed="rId1" cstate="print"/>
+          <a:blip r:embed="rId2" cstate="print"/>
           <a:stretch>
             <a:fillRect/>
           </a:stretch>
@@ -4154,13 +4220,6 @@
               </a:rPr>
               <a:t> Expressions</a:t>
             </a:r>
-            <a:endParaRPr lang="en-US" sz="2400" spc="35" dirty="0">
-              <a:solidFill>
-                <a:srgbClr val="F05A28"/>
-              </a:solidFill>
-              <a:latin typeface="Verdana" panose="020B0604030504040204"/>
-              <a:cs typeface="Verdana" panose="020B0604030504040204"/>
-            </a:endParaRPr>
           </a:p>
           <a:p>
             <a:pPr marL="12700" marR="5080">
@@ -4364,11 +4423,6 @@
               </a:rPr>
               <a:t>Introduction</a:t>
             </a:r>
-            <a:endParaRPr spc="-40" dirty="0">
-              <a:solidFill>
-                <a:srgbClr val="FFFFFF"/>
-              </a:solidFill>
-            </a:endParaRPr>
           </a:p>
         </p:txBody>
       </p:sp>
@@ -4385,9 +4439,11 @@
         <p:spPr/>
         <p:txBody>
           <a:bodyPr/>
+          <a:lstStyle/>
           <a:p>
             <a:fld id="{B6F15528-21DE-4FAA-801E-634DDDAF4B2B}" type="slidenum">
               <a:rPr/>
+              <a:t>2</a:t>
             </a:fld>
             <a:endParaRPr/>
           </a:p>
@@ -4463,7 +4519,6 @@
               <a:rPr dirty="0"/>
               <a:t>Basics</a:t>
             </a:r>
-            <a:endParaRPr dirty="0"/>
           </a:p>
         </p:txBody>
       </p:sp>
@@ -4480,9 +4535,11 @@
         <p:spPr/>
         <p:txBody>
           <a:bodyPr/>
+          <a:lstStyle/>
           <a:p>
             <a:fld id="{B6F15528-21DE-4FAA-801E-634DDDAF4B2B}" type="slidenum">
               <a:rPr/>
+              <a:t>3</a:t>
             </a:fld>
             <a:endParaRPr/>
           </a:p>
@@ -4733,11 +4790,6 @@
               </a:rPr>
               <a:t>ns</a:t>
             </a:r>
-            <a:endParaRPr spc="-75" dirty="0">
-              <a:solidFill>
-                <a:srgbClr val="404040"/>
-              </a:solidFill>
-            </a:endParaRPr>
           </a:p>
         </p:txBody>
       </p:sp>
@@ -4754,9 +4806,11 @@
         <p:spPr/>
         <p:txBody>
           <a:bodyPr/>
+          <a:lstStyle/>
           <a:p>
             <a:fld id="{B6F15528-21DE-4FAA-801E-634DDDAF4B2B}" type="slidenum">
               <a:rPr/>
+              <a:t>4</a:t>
             </a:fld>
             <a:endParaRPr/>
           </a:p>
@@ -5102,11 +5156,6 @@
               </a:rPr>
               <a:t>ns</a:t>
             </a:r>
-            <a:endParaRPr spc="-75" dirty="0">
-              <a:solidFill>
-                <a:srgbClr val="404040"/>
-              </a:solidFill>
-            </a:endParaRPr>
           </a:p>
         </p:txBody>
       </p:sp>
@@ -5123,9 +5172,11 @@
         <p:spPr/>
         <p:txBody>
           <a:bodyPr/>
+          <a:lstStyle/>
           <a:p>
             <a:fld id="{B6F15528-21DE-4FAA-801E-634DDDAF4B2B}" type="slidenum">
               <a:rPr/>
+              <a:t>5</a:t>
             </a:fld>
             <a:endParaRPr/>
           </a:p>
@@ -5627,11 +5678,6 @@
               </a:rPr>
               <a:t>ns</a:t>
             </a:r>
-            <a:endParaRPr spc="-75" dirty="0">
-              <a:solidFill>
-                <a:srgbClr val="404040"/>
-              </a:solidFill>
-            </a:endParaRPr>
           </a:p>
         </p:txBody>
       </p:sp>
@@ -5648,9 +5694,11 @@
         <p:spPr/>
         <p:txBody>
           <a:bodyPr/>
+          <a:lstStyle/>
           <a:p>
             <a:fld id="{B6F15528-21DE-4FAA-801E-634DDDAF4B2B}" type="slidenum">
               <a:rPr/>
+              <a:t>6</a:t>
             </a:fld>
             <a:endParaRPr/>
           </a:p>
@@ -5726,7 +5774,6 @@
               <a:rPr lang="en-US" dirty="0"/>
               <a:t>Expressions</a:t>
             </a:r>
-            <a:endParaRPr lang="en-US" dirty="0"/>
           </a:p>
         </p:txBody>
       </p:sp>
@@ -5743,9 +5790,11 @@
         <p:spPr/>
         <p:txBody>
           <a:bodyPr/>
+          <a:lstStyle/>
           <a:p>
             <a:fld id="{B6F15528-21DE-4FAA-801E-634DDDAF4B2B}" type="slidenum">
               <a:rPr/>
+              <a:t>7</a:t>
             </a:fld>
             <a:endParaRPr/>
           </a:p>
@@ -5768,7 +5817,14 @@
         <p:cNvGrpSpPr/>
         <p:nvPr/>
       </p:nvGrpSpPr>
-      <p:grpSpPr/>
+      <p:grpSpPr>
+        <a:xfrm>
+          <a:off x="0" y="0"/>
+          <a:ext cx="0" cy="0"/>
+          <a:chOff x="0" y="0"/>
+          <a:chExt cx="0" cy="0"/>
+        </a:xfrm>
+      </p:grpSpPr>
       <p:sp>
         <p:nvSpPr>
           <p:cNvPr id="4" name="Slide Number Placeholder 3"/>
@@ -5787,9 +5843,11 @@
         </p:spPr>
         <p:txBody>
           <a:bodyPr/>
+          <a:lstStyle/>
           <a:p>
             <a:fld id="{B6F15528-21DE-4FAA-801E-634DDDAF4B2B}" type="slidenum">
               <a:rPr/>
+              <a:t>8</a:t>
             </a:fld>
             <a:endParaRPr/>
           </a:p>
@@ -5809,12 +5867,12 @@
           <a:graphicData uri="http://schemas.openxmlformats.org/presentationml/2006/ole">
             <mc:AlternateContent xmlns:mc="http://schemas.openxmlformats.org/markup-compatibility/2006">
               <mc:Choice xmlns:v="urn:schemas-microsoft-com:vml" Requires="v">
-                <p:oleObj spid="_x0000_s6" name="" r:id="rId1" imgW="9810750" imgH="5562600" progId="Paint.Picture">
+                <p:oleObj r:id="rId2" imgW="9810750" imgH="5562600" progId="Paint.Picture">
                   <p:embed/>
                 </p:oleObj>
               </mc:Choice>
               <mc:Fallback>
-                <p:oleObj name="" r:id="rId1" imgW="9810750" imgH="5562600" progId="Paint.Picture">
+                <p:oleObj r:id="rId2" imgW="9810750" imgH="5562600" progId="Paint.Picture">
                   <p:embed/>
                   <p:pic>
                     <p:nvPicPr>
@@ -5823,7 +5881,7 @@
                       <p:nvPr/>
                     </p:nvPicPr>
                     <p:blipFill>
-                      <a:blip r:embed="rId2"/>
+                      <a:blip r:embed="rId3"/>
                       <a:stretch>
                         <a:fillRect/>
                       </a:stretch>
@@ -5930,7 +5988,6 @@
               <a:rPr spc="30" dirty="0"/>
               <a:t>Functions</a:t>
             </a:r>
-            <a:endParaRPr spc="30" dirty="0"/>
           </a:p>
         </p:txBody>
       </p:sp>
@@ -5947,9 +6004,11 @@
         <p:spPr/>
         <p:txBody>
           <a:bodyPr/>
+          <a:lstStyle/>
           <a:p>
             <a:fld id="{B6F15528-21DE-4FAA-801E-634DDDAF4B2B}" type="slidenum">
               <a:rPr/>
+              <a:t>9</a:t>
             </a:fld>
             <a:endParaRPr/>
           </a:p>
@@ -6241,6 +6300,8 @@
       </a:bgFillStyleLst>
     </a:fmtScheme>
   </a:themeElements>
+  <a:objectDefaults/>
+  <a:extraClrSchemeLst/>
   <a:extLst>
     <a:ext uri="{05A4C25C-085E-4340-85A3-A5531E510DB2}">
       <thm15:themeFamily xmlns:thm15="http://schemas.microsoft.com/office/thememl/2012/main" name="Office Theme" id="{62F939B6-93AF-4DB8-9C6B-D6C7DFDC589F}" vid="{4A3C46E8-61CC-4603-A589-7422A47A8E4A}"/>
@@ -6500,6 +6561,8 @@
       </a:bgFillStyleLst>
     </a:fmtScheme>
   </a:themeElements>
+  <a:objectDefaults/>
+  <a:extraClrSchemeLst/>
   <a:extLst>
     <a:ext uri="{05A4C25C-085E-4340-85A3-A5531E510DB2}">
       <thm15:themeFamily xmlns:thm15="http://schemas.microsoft.com/office/thememl/2012/main" name="Office Theme" id="{62F939B6-93AF-4DB8-9C6B-D6C7DFDC589F}" vid="{4A3C46E8-61CC-4603-A589-7422A47A8E4A}"/>
